--- a/scaffold/Reports/tinygran.pptx
+++ b/scaffold/Reports/tinygran.pptx
@@ -4104,10 +4104,9 @@
               <a:t>trt:control</a:t>
             </a:r>
             <a:r>
-              <a:rPr lang="en-US"/>
+              <a:rPr lang="en-US" dirty="0"/>
               <a:t> plots over time</a:t>
             </a:r>
-            <a:endParaRPr lang="en-US" dirty="0"/>
           </a:p>
         </p:txBody>
       </p:sp>
